--- a/ROS101.pptx
+++ b/ROS101.pptx
@@ -887,16 +887,7 @@
           <a:bodyPr/>
           <a:lstStyle/>
           <a:p>
-            <a:r>
-              <a:rPr lang="en-US" dirty="0">
-                <a:hlinkClick r:id="rId3"/>
-              </a:rPr>
-              <a:t>https://gtms1318.files.wordpress.com/2013/04/robot_working.png</a:t>
-            </a:r>
-            <a:r>
-              <a:rPr lang="en-US" dirty="0"/>
-              <a:t> </a:t>
-            </a:r>
+            <a:endParaRPr lang="en-US" dirty="0"/>
           </a:p>
         </p:txBody>
       </p:sp>
@@ -980,16 +971,7 @@
           <a:bodyPr/>
           <a:lstStyle/>
           <a:p>
-            <a:r>
-              <a:rPr lang="en-US" dirty="0">
-                <a:hlinkClick r:id="rId3"/>
-              </a:rPr>
-              <a:t>https://gtms1318.files.wordpress.com/2013/04/robot_working.png</a:t>
-            </a:r>
-            <a:r>
-              <a:rPr lang="en-US" dirty="0"/>
-              <a:t> </a:t>
-            </a:r>
+            <a:endParaRPr lang="en-US" dirty="0"/>
           </a:p>
         </p:txBody>
       </p:sp>
@@ -1073,16 +1055,7 @@
           <a:bodyPr/>
           <a:lstStyle/>
           <a:p>
-            <a:r>
-              <a:rPr lang="en-US" dirty="0">
-                <a:hlinkClick r:id="rId3"/>
-              </a:rPr>
-              <a:t>https://gtms1318.files.wordpress.com/2013/04/robot_working.png</a:t>
-            </a:r>
-            <a:r>
-              <a:rPr lang="en-US" dirty="0"/>
-              <a:t> </a:t>
-            </a:r>
+            <a:endParaRPr lang="en-US" dirty="0"/>
           </a:p>
         </p:txBody>
       </p:sp>
@@ -1166,16 +1139,7 @@
           <a:bodyPr/>
           <a:lstStyle/>
           <a:p>
-            <a:r>
-              <a:rPr lang="en-US" dirty="0">
-                <a:hlinkClick r:id="rId3"/>
-              </a:rPr>
-              <a:t>https://gtms1318.files.wordpress.com/2013/04/robot_working.png</a:t>
-            </a:r>
-            <a:r>
-              <a:rPr lang="en-US" dirty="0"/>
-              <a:t> </a:t>
-            </a:r>
+            <a:endParaRPr lang="en-US" dirty="0"/>
           </a:p>
         </p:txBody>
       </p:sp>
@@ -1457,16 +1421,7 @@
           <a:bodyPr/>
           <a:lstStyle/>
           <a:p>
-            <a:r>
-              <a:rPr lang="en-US" dirty="0">
-                <a:hlinkClick r:id="rId3"/>
-              </a:rPr>
-              <a:t>https://gtms1318.files.wordpress.com/2013/04/robot_working.png</a:t>
-            </a:r>
-            <a:r>
-              <a:rPr lang="en-US" dirty="0"/>
-              <a:t> </a:t>
-            </a:r>
+            <a:endParaRPr lang="en-US" dirty="0"/>
           </a:p>
         </p:txBody>
       </p:sp>
@@ -1550,16 +1505,7 @@
           <a:bodyPr/>
           <a:lstStyle/>
           <a:p>
-            <a:r>
-              <a:rPr lang="en-US" dirty="0">
-                <a:hlinkClick r:id="rId3"/>
-              </a:rPr>
-              <a:t>https://gtms1318.files.wordpress.com/2013/04/robot_working.png</a:t>
-            </a:r>
-            <a:r>
-              <a:rPr lang="en-US" dirty="0"/>
-              <a:t> </a:t>
-            </a:r>
+            <a:endParaRPr lang="en-US" dirty="0"/>
           </a:p>
         </p:txBody>
       </p:sp>
@@ -1643,16 +1589,7 @@
           <a:bodyPr/>
           <a:lstStyle/>
           <a:p>
-            <a:r>
-              <a:rPr lang="en-US" dirty="0">
-                <a:hlinkClick r:id="rId3"/>
-              </a:rPr>
-              <a:t>https://gtms1318.files.wordpress.com/2013/04/robot_working.png</a:t>
-            </a:r>
-            <a:r>
-              <a:rPr lang="en-US" dirty="0"/>
-              <a:t> </a:t>
-            </a:r>
+            <a:endParaRPr lang="en-US" dirty="0"/>
           </a:p>
         </p:txBody>
       </p:sp>
@@ -1736,16 +1673,7 @@
           <a:bodyPr/>
           <a:lstStyle/>
           <a:p>
-            <a:r>
-              <a:rPr lang="en-US" dirty="0">
-                <a:hlinkClick r:id="rId3"/>
-              </a:rPr>
-              <a:t>https://gtms1318.files.wordpress.com/2013/04/robot_working.png</a:t>
-            </a:r>
-            <a:r>
-              <a:rPr lang="en-US" dirty="0"/>
-              <a:t> </a:t>
-            </a:r>
+            <a:endParaRPr lang="en-US" dirty="0"/>
           </a:p>
         </p:txBody>
       </p:sp>
@@ -6578,13 +6506,13 @@
           </a:p>
           <a:p>
             <a:r>
-              <a:rPr lang="en-US" dirty="0">
+              <a:rPr lang="en-US" i="1" dirty="0">
                 <a:cs typeface="Calibri"/>
               </a:rPr>
-              <a:t>ROS is just an </a:t>
-            </a:r>
-            <a:r>
-              <a:rPr lang="en-US" dirty="0">
+              <a:t>* ROS is just an </a:t>
+            </a:r>
+            <a:r>
+              <a:rPr lang="en-US" i="1" dirty="0">
                 <a:solidFill>
                   <a:srgbClr val="FF0000"/>
                 </a:solidFill>
@@ -6593,13 +6521,13 @@
               <a:t>abstraction</a:t>
             </a:r>
             <a:r>
-              <a:rPr lang="en-US" dirty="0">
+              <a:rPr lang="en-US" i="1" dirty="0">
                 <a:cs typeface="Calibri"/>
               </a:rPr>
               <a:t> of </a:t>
             </a:r>
             <a:r>
-              <a:rPr lang="en-US" dirty="0">
+              <a:rPr lang="en-US" i="1" dirty="0">
                 <a:solidFill>
                   <a:srgbClr val="FF0000"/>
                 </a:solidFill>
@@ -6608,13 +6536,13 @@
               <a:t>TCP/IP-based </a:t>
             </a:r>
             <a:r>
-              <a:rPr lang="en-US" dirty="0">
+              <a:rPr lang="en-US" i="1" dirty="0">
                 <a:cs typeface="Calibri"/>
               </a:rPr>
               <a:t>and </a:t>
             </a:r>
             <a:r>
-              <a:rPr lang="en-US" dirty="0">
+              <a:rPr lang="en-US" i="1" dirty="0">
                 <a:solidFill>
                   <a:srgbClr val="FF0000"/>
                 </a:solidFill>
@@ -6623,26 +6551,26 @@
               <a:t>UDP/IP-based protocol </a:t>
             </a:r>
             <a:r>
-              <a:rPr lang="en-US" dirty="0">
+              <a:rPr lang="en-US" i="1" dirty="0">
                 <a:cs typeface="Calibri"/>
               </a:rPr>
               <a:t>(Socket type in </a:t>
             </a:r>
             <a:r>
-              <a:rPr lang="en-US" b="1" dirty="0">
+              <a:rPr lang="en-US" b="1" i="1" dirty="0">
                 <a:cs typeface="Calibri"/>
                 <a:hlinkClick r:id="rId4"/>
               </a:rPr>
               <a:t>Inter-process Communication</a:t>
             </a:r>
             <a:r>
-              <a:rPr lang="en-US" dirty="0">
+              <a:rPr lang="en-US" i="1" dirty="0">
                 <a:cs typeface="Calibri"/>
               </a:rPr>
               <a:t>), which is why ROS is seamless between devices on same network (great for </a:t>
             </a:r>
             <a:r>
-              <a:rPr lang="en-US" dirty="0">
+              <a:rPr lang="en-US" i="1" dirty="0">
                 <a:solidFill>
                   <a:srgbClr val="FF0000"/>
                 </a:solidFill>
@@ -6651,7 +6579,7 @@
               <a:t>IoT application</a:t>
             </a:r>
             <a:r>
-              <a:rPr lang="en-US" dirty="0">
+              <a:rPr lang="en-US" i="1" dirty="0">
                 <a:cs typeface="Calibri"/>
               </a:rPr>
               <a:t>). </a:t>
@@ -12949,22 +12877,6 @@
               </a:rPr>
               <a:t>Terminology: 4.1</a:t>
             </a:r>
-          </a:p>
-          <a:p>
-            <a:pPr marL="0" indent="0">
-              <a:buNone/>
-            </a:pPr>
-            <a:r>
-              <a:rPr lang="en-US" sz="2000" b="1" dirty="0">
-                <a:solidFill>
-                  <a:srgbClr val="FF0000"/>
-                </a:solidFill>
-                <a:cs typeface="Calibri"/>
-              </a:rPr>
-              <a:t>ROS is an abstraction TCP/IP communication.</a:t>
-            </a:r>
-          </a:p>
-          <a:p>
             <a:endParaRPr lang="en-US" sz="2000" dirty="0">
               <a:cs typeface="Calibri"/>
             </a:endParaRPr>
